--- a/EB_X_Role_NetViz.pptx
+++ b/EB_X_Role_NetViz.pptx
@@ -286,7 +286,7 @@
   <pc:docChgLst>
     <pc:chgData name="Stacy Chandisingh" userId="a72612ec63c1bf34" providerId="LiveId" clId="{C971D2B1-0220-4D98-8FD1-420BA7770D80}"/>
     <pc:docChg chg="custSel addSld delSld modSld">
-      <pc:chgData name="Stacy Chandisingh" userId="a72612ec63c1bf34" providerId="LiveId" clId="{C971D2B1-0220-4D98-8FD1-420BA7770D80}" dt="2021-03-10T02:14:52.033" v="281" actId="20577"/>
+      <pc:chgData name="Stacy Chandisingh" userId="a72612ec63c1bf34" providerId="LiveId" clId="{C971D2B1-0220-4D98-8FD1-420BA7770D80}" dt="2021-03-10T02:21:27.896" v="295" actId="20577"/>
       <pc:docMkLst>
         <pc:docMk/>
       </pc:docMkLst>
@@ -306,19 +306,42 @@
         </pc:spChg>
       </pc:sldChg>
       <pc:sldChg chg="modSp mod">
-        <pc:chgData name="Stacy Chandisingh" userId="a72612ec63c1bf34" providerId="LiveId" clId="{C971D2B1-0220-4D98-8FD1-420BA7770D80}" dt="2021-03-10T02:14:52.033" v="281" actId="20577"/>
+        <pc:chgData name="Stacy Chandisingh" userId="a72612ec63c1bf34" providerId="LiveId" clId="{C971D2B1-0220-4D98-8FD1-420BA7770D80}" dt="2021-03-10T02:21:27.896" v="295" actId="20577"/>
         <pc:sldMkLst>
           <pc:docMk/>
           <pc:sldMk cId="0" sldId="260"/>
         </pc:sldMkLst>
         <pc:spChg chg="mod">
-          <ac:chgData name="Stacy Chandisingh" userId="a72612ec63c1bf34" providerId="LiveId" clId="{C971D2B1-0220-4D98-8FD1-420BA7770D80}" dt="2021-03-10T02:14:52.033" v="281" actId="20577"/>
+          <ac:chgData name="Stacy Chandisingh" userId="a72612ec63c1bf34" providerId="LiveId" clId="{C971D2B1-0220-4D98-8FD1-420BA7770D80}" dt="2021-03-10T02:21:27.896" v="295" actId="20577"/>
           <ac:spMkLst>
             <pc:docMk/>
             <pc:sldMk cId="0" sldId="260"/>
             <ac:spMk id="80" creationId="{00000000-0000-0000-0000-000000000000}"/>
           </ac:spMkLst>
         </pc:spChg>
+      </pc:sldChg>
+      <pc:sldChg chg="addSp delSp modSp mod">
+        <pc:chgData name="Stacy Chandisingh" userId="a72612ec63c1bf34" providerId="LiveId" clId="{C971D2B1-0220-4D98-8FD1-420BA7770D80}" dt="2021-03-10T02:20:24.220" v="285" actId="1076"/>
+        <pc:sldMkLst>
+          <pc:docMk/>
+          <pc:sldMk cId="1877941445" sldId="261"/>
+        </pc:sldMkLst>
+        <pc:picChg chg="add mod">
+          <ac:chgData name="Stacy Chandisingh" userId="a72612ec63c1bf34" providerId="LiveId" clId="{C971D2B1-0220-4D98-8FD1-420BA7770D80}" dt="2021-03-10T02:20:24.220" v="285" actId="1076"/>
+          <ac:picMkLst>
+            <pc:docMk/>
+            <pc:sldMk cId="1877941445" sldId="261"/>
+            <ac:picMk id="4" creationId="{F4334387-DA32-48FB-9965-1B38FFC8B0B6}"/>
+          </ac:picMkLst>
+        </pc:picChg>
+        <pc:picChg chg="del">
+          <ac:chgData name="Stacy Chandisingh" userId="a72612ec63c1bf34" providerId="LiveId" clId="{C971D2B1-0220-4D98-8FD1-420BA7770D80}" dt="2021-03-10T02:20:12.376" v="282" actId="478"/>
+          <ac:picMkLst>
+            <pc:docMk/>
+            <pc:sldMk cId="1877941445" sldId="261"/>
+            <ac:picMk id="5" creationId="{17958706-AD74-41C0-9845-6C7D2B4B35FC}"/>
+          </ac:picMkLst>
+        </pc:picChg>
       </pc:sldChg>
       <pc:sldChg chg="delSp modSp new del mod">
         <pc:chgData name="Stacy Chandisingh" userId="a72612ec63c1bf34" providerId="LiveId" clId="{C971D2B1-0220-4D98-8FD1-420BA7770D80}" dt="2021-03-10T02:08:16.015" v="25" actId="2696"/>
@@ -6574,10 +6597,10 @@
       </p:sp>
       <p:pic>
         <p:nvPicPr>
-          <p:cNvPr id="5" name="Picture 4">
+          <p:cNvPr id="4" name="Picture 3">
             <a:extLst>
               <a:ext uri="{FF2B5EF4-FFF2-40B4-BE49-F238E27FC236}">
-                <a16:creationId xmlns:a16="http://schemas.microsoft.com/office/drawing/2014/main" id="{17958706-AD74-41C0-9845-6C7D2B4B35FC}"/>
+                <a16:creationId xmlns:a16="http://schemas.microsoft.com/office/drawing/2014/main" id="{F4334387-DA32-48FB-9965-1B38FFC8B0B6}"/>
               </a:ext>
             </a:extLst>
           </p:cNvPr>
@@ -6594,8 +6617,8 @@
         </p:blipFill>
         <p:spPr>
           <a:xfrm>
-            <a:off x="2584263" y="801295"/>
-            <a:ext cx="4266241" cy="3998238"/>
+            <a:off x="1837597" y="648897"/>
+            <a:ext cx="5468805" cy="4268107"/>
           </a:xfrm>
           <a:prstGeom prst="rect">
             <a:avLst/>
@@ -7028,7 +7051,7 @@
             </a:pPr>
             <a:r>
               <a:rPr lang="en" dirty="0"/>
-              <a:t>A slider to change a range of years for the “Year Added” and a filter on the world map to filter by country. These interactive element will help the audience focus on specific data insights.</a:t>
+              <a:t>A slider to change a range of years for the “Year Added” and a filter on the world map to filter by country. These interactive elements will help the audience focus on specific data insights.</a:t>
             </a:r>
           </a:p>
           <a:p>
@@ -7052,17 +7075,20 @@
             </a:r>
             <a:r>
               <a:rPr lang="en" dirty="0"/>
-              <a:t>en filtered on a country within the world map, the area chart, pie chart a</a:t>
+              <a:t>en filtered on a country within the world map, the area chart, the pie chart, a</a:t>
             </a:r>
             <a:r>
               <a:rPr lang="en-US" dirty="0" err="1"/>
               <a:t>nd</a:t>
             </a:r>
             <a:r>
-              <a:rPr lang="en"/>
+              <a:rPr lang="en-US" dirty="0"/>
+              <a:t> the</a:t>
+            </a:r>
+            <a:r>
+              <a:rPr lang="en" dirty="0"/>
               <a:t> number of titles are also filtered depending on the country selected.</a:t>
             </a:r>
-            <a:endParaRPr lang="en" dirty="0"/>
           </a:p>
           <a:p>
             <a:pPr marL="114300" lvl="0" indent="0" algn="l" rtl="0">

--- a/EB_X_Role_NetViz.pptx
+++ b/EB_X_Role_NetViz.pptx
@@ -284,9 +284,79 @@
 <file path=ppt/changesInfos/changesInfo1.xml><?xml version="1.0" encoding="utf-8"?>
 <pc:chgInfo xmlns:a="http://schemas.openxmlformats.org/drawingml/2006/main" xmlns:r="http://schemas.openxmlformats.org/officeDocument/2006/relationships" xmlns:ac="http://schemas.microsoft.com/office/drawing/2013/main/command" xmlns:pc="http://schemas.microsoft.com/office/powerpoint/2013/main/command">
   <pc:docChgLst>
+    <pc:chgData name="Stacy Chandisingh" userId="a72612ec63c1bf34" providerId="LiveId" clId="{C249A174-39D9-4DCE-961B-7C97E4997380}"/>
+    <pc:docChg chg="custSel addSld modSld">
+      <pc:chgData name="Stacy Chandisingh" userId="a72612ec63c1bf34" providerId="LiveId" clId="{C249A174-39D9-4DCE-961B-7C97E4997380}" dt="2021-03-05T02:24:10.690" v="37" actId="20577"/>
+      <pc:docMkLst>
+        <pc:docMk/>
+      </pc:docMkLst>
+      <pc:sldChg chg="modSp mod">
+        <pc:chgData name="Stacy Chandisingh" userId="a72612ec63c1bf34" providerId="LiveId" clId="{C249A174-39D9-4DCE-961B-7C97E4997380}" dt="2021-03-05T02:23:11.735" v="33" actId="20577"/>
+        <pc:sldMkLst>
+          <pc:docMk/>
+          <pc:sldMk cId="0" sldId="256"/>
+        </pc:sldMkLst>
+        <pc:spChg chg="mod">
+          <ac:chgData name="Stacy Chandisingh" userId="a72612ec63c1bf34" providerId="LiveId" clId="{C249A174-39D9-4DCE-961B-7C97E4997380}" dt="2021-03-05T02:23:11.735" v="33" actId="20577"/>
+          <ac:spMkLst>
+            <pc:docMk/>
+            <pc:sldMk cId="0" sldId="256"/>
+            <ac:spMk id="54" creationId="{00000000-0000-0000-0000-000000000000}"/>
+          </ac:spMkLst>
+        </pc:spChg>
+      </pc:sldChg>
+      <pc:sldChg chg="modSp mod">
+        <pc:chgData name="Stacy Chandisingh" userId="a72612ec63c1bf34" providerId="LiveId" clId="{C249A174-39D9-4DCE-961B-7C97E4997380}" dt="2021-03-05T02:24:10.690" v="37" actId="20577"/>
+        <pc:sldMkLst>
+          <pc:docMk/>
+          <pc:sldMk cId="0" sldId="259"/>
+        </pc:sldMkLst>
+        <pc:spChg chg="mod">
+          <ac:chgData name="Stacy Chandisingh" userId="a72612ec63c1bf34" providerId="LiveId" clId="{C249A174-39D9-4DCE-961B-7C97E4997380}" dt="2021-03-05T02:24:10.690" v="37" actId="20577"/>
+          <ac:spMkLst>
+            <pc:docMk/>
+            <pc:sldMk cId="0" sldId="259"/>
+            <ac:spMk id="73" creationId="{00000000-0000-0000-0000-000000000000}"/>
+          </ac:spMkLst>
+        </pc:spChg>
+      </pc:sldChg>
+      <pc:sldChg chg="addSp delSp modSp new mod">
+        <pc:chgData name="Stacy Chandisingh" userId="a72612ec63c1bf34" providerId="LiveId" clId="{C249A174-39D9-4DCE-961B-7C97E4997380}" dt="2021-03-05T02:23:44.475" v="35" actId="478"/>
+        <pc:sldMkLst>
+          <pc:docMk/>
+          <pc:sldMk cId="1877941445" sldId="261"/>
+        </pc:sldMkLst>
+        <pc:spChg chg="mod">
+          <ac:chgData name="Stacy Chandisingh" userId="a72612ec63c1bf34" providerId="LiveId" clId="{C249A174-39D9-4DCE-961B-7C97E4997380}" dt="2021-03-05T02:21:18.079" v="25" actId="14100"/>
+          <ac:spMkLst>
+            <pc:docMk/>
+            <pc:sldMk cId="1877941445" sldId="261"/>
+            <ac:spMk id="2" creationId="{60B179F0-783A-454F-B346-9F5ED5A9EFB7}"/>
+          </ac:spMkLst>
+        </pc:spChg>
+        <pc:spChg chg="del mod">
+          <ac:chgData name="Stacy Chandisingh" userId="a72612ec63c1bf34" providerId="LiveId" clId="{C249A174-39D9-4DCE-961B-7C97E4997380}" dt="2021-03-05T02:23:44.475" v="35" actId="478"/>
+          <ac:spMkLst>
+            <pc:docMk/>
+            <pc:sldMk cId="1877941445" sldId="261"/>
+            <ac:spMk id="3" creationId="{818DD56D-6D76-467C-ABB3-D9766A14E575}"/>
+          </ac:spMkLst>
+        </pc:spChg>
+        <pc:picChg chg="add mod">
+          <ac:chgData name="Stacy Chandisingh" userId="a72612ec63c1bf34" providerId="LiveId" clId="{C249A174-39D9-4DCE-961B-7C97E4997380}" dt="2021-03-05T02:21:44.303" v="32" actId="14100"/>
+          <ac:picMkLst>
+            <pc:docMk/>
+            <pc:sldMk cId="1877941445" sldId="261"/>
+            <ac:picMk id="5" creationId="{17958706-AD74-41C0-9845-6C7D2B4B35FC}"/>
+          </ac:picMkLst>
+        </pc:picChg>
+      </pc:sldChg>
+    </pc:docChg>
+  </pc:docChgLst>
+  <pc:docChgLst>
     <pc:chgData name="Stacy Chandisingh" userId="a72612ec63c1bf34" providerId="LiveId" clId="{C971D2B1-0220-4D98-8FD1-420BA7770D80}"/>
     <pc:docChg chg="custSel addSld delSld modSld">
-      <pc:chgData name="Stacy Chandisingh" userId="a72612ec63c1bf34" providerId="LiveId" clId="{C971D2B1-0220-4D98-8FD1-420BA7770D80}" dt="2021-03-10T02:21:27.896" v="295" actId="20577"/>
+      <pc:chgData name="Stacy Chandisingh" userId="a72612ec63c1bf34" providerId="LiveId" clId="{C971D2B1-0220-4D98-8FD1-420BA7770D80}" dt="2021-03-10T02:14:52.033" v="281" actId="20577"/>
       <pc:docMkLst>
         <pc:docMk/>
       </pc:docMkLst>
@@ -306,42 +376,19 @@
         </pc:spChg>
       </pc:sldChg>
       <pc:sldChg chg="modSp mod">
-        <pc:chgData name="Stacy Chandisingh" userId="a72612ec63c1bf34" providerId="LiveId" clId="{C971D2B1-0220-4D98-8FD1-420BA7770D80}" dt="2021-03-10T02:21:27.896" v="295" actId="20577"/>
+        <pc:chgData name="Stacy Chandisingh" userId="a72612ec63c1bf34" providerId="LiveId" clId="{C971D2B1-0220-4D98-8FD1-420BA7770D80}" dt="2021-03-10T02:14:52.033" v="281" actId="20577"/>
         <pc:sldMkLst>
           <pc:docMk/>
           <pc:sldMk cId="0" sldId="260"/>
         </pc:sldMkLst>
         <pc:spChg chg="mod">
-          <ac:chgData name="Stacy Chandisingh" userId="a72612ec63c1bf34" providerId="LiveId" clId="{C971D2B1-0220-4D98-8FD1-420BA7770D80}" dt="2021-03-10T02:21:27.896" v="295" actId="20577"/>
+          <ac:chgData name="Stacy Chandisingh" userId="a72612ec63c1bf34" providerId="LiveId" clId="{C971D2B1-0220-4D98-8FD1-420BA7770D80}" dt="2021-03-10T02:14:52.033" v="281" actId="20577"/>
           <ac:spMkLst>
             <pc:docMk/>
             <pc:sldMk cId="0" sldId="260"/>
             <ac:spMk id="80" creationId="{00000000-0000-0000-0000-000000000000}"/>
           </ac:spMkLst>
         </pc:spChg>
-      </pc:sldChg>
-      <pc:sldChg chg="addSp delSp modSp mod">
-        <pc:chgData name="Stacy Chandisingh" userId="a72612ec63c1bf34" providerId="LiveId" clId="{C971D2B1-0220-4D98-8FD1-420BA7770D80}" dt="2021-03-10T02:20:24.220" v="285" actId="1076"/>
-        <pc:sldMkLst>
-          <pc:docMk/>
-          <pc:sldMk cId="1877941445" sldId="261"/>
-        </pc:sldMkLst>
-        <pc:picChg chg="add mod">
-          <ac:chgData name="Stacy Chandisingh" userId="a72612ec63c1bf34" providerId="LiveId" clId="{C971D2B1-0220-4D98-8FD1-420BA7770D80}" dt="2021-03-10T02:20:24.220" v="285" actId="1076"/>
-          <ac:picMkLst>
-            <pc:docMk/>
-            <pc:sldMk cId="1877941445" sldId="261"/>
-            <ac:picMk id="4" creationId="{F4334387-DA32-48FB-9965-1B38FFC8B0B6}"/>
-          </ac:picMkLst>
-        </pc:picChg>
-        <pc:picChg chg="del">
-          <ac:chgData name="Stacy Chandisingh" userId="a72612ec63c1bf34" providerId="LiveId" clId="{C971D2B1-0220-4D98-8FD1-420BA7770D80}" dt="2021-03-10T02:20:12.376" v="282" actId="478"/>
-          <ac:picMkLst>
-            <pc:docMk/>
-            <pc:sldMk cId="1877941445" sldId="261"/>
-            <ac:picMk id="5" creationId="{17958706-AD74-41C0-9845-6C7D2B4B35FC}"/>
-          </ac:picMkLst>
-        </pc:picChg>
       </pc:sldChg>
       <pc:sldChg chg="delSp modSp new del mod">
         <pc:chgData name="Stacy Chandisingh" userId="a72612ec63c1bf34" providerId="LiveId" clId="{C971D2B1-0220-4D98-8FD1-420BA7770D80}" dt="2021-03-10T02:08:16.015" v="25" actId="2696"/>
@@ -411,76 +458,6 @@
           </pc:sldLayoutMkLst>
         </pc:sldLayoutChg>
       </pc:sldMasterChg>
-    </pc:docChg>
-  </pc:docChgLst>
-  <pc:docChgLst>
-    <pc:chgData name="Stacy Chandisingh" userId="a72612ec63c1bf34" providerId="LiveId" clId="{C249A174-39D9-4DCE-961B-7C97E4997380}"/>
-    <pc:docChg chg="custSel addSld modSld">
-      <pc:chgData name="Stacy Chandisingh" userId="a72612ec63c1bf34" providerId="LiveId" clId="{C249A174-39D9-4DCE-961B-7C97E4997380}" dt="2021-03-05T02:24:10.690" v="37" actId="20577"/>
-      <pc:docMkLst>
-        <pc:docMk/>
-      </pc:docMkLst>
-      <pc:sldChg chg="modSp mod">
-        <pc:chgData name="Stacy Chandisingh" userId="a72612ec63c1bf34" providerId="LiveId" clId="{C249A174-39D9-4DCE-961B-7C97E4997380}" dt="2021-03-05T02:23:11.735" v="33" actId="20577"/>
-        <pc:sldMkLst>
-          <pc:docMk/>
-          <pc:sldMk cId="0" sldId="256"/>
-        </pc:sldMkLst>
-        <pc:spChg chg="mod">
-          <ac:chgData name="Stacy Chandisingh" userId="a72612ec63c1bf34" providerId="LiveId" clId="{C249A174-39D9-4DCE-961B-7C97E4997380}" dt="2021-03-05T02:23:11.735" v="33" actId="20577"/>
-          <ac:spMkLst>
-            <pc:docMk/>
-            <pc:sldMk cId="0" sldId="256"/>
-            <ac:spMk id="54" creationId="{00000000-0000-0000-0000-000000000000}"/>
-          </ac:spMkLst>
-        </pc:spChg>
-      </pc:sldChg>
-      <pc:sldChg chg="modSp mod">
-        <pc:chgData name="Stacy Chandisingh" userId="a72612ec63c1bf34" providerId="LiveId" clId="{C249A174-39D9-4DCE-961B-7C97E4997380}" dt="2021-03-05T02:24:10.690" v="37" actId="20577"/>
-        <pc:sldMkLst>
-          <pc:docMk/>
-          <pc:sldMk cId="0" sldId="259"/>
-        </pc:sldMkLst>
-        <pc:spChg chg="mod">
-          <ac:chgData name="Stacy Chandisingh" userId="a72612ec63c1bf34" providerId="LiveId" clId="{C249A174-39D9-4DCE-961B-7C97E4997380}" dt="2021-03-05T02:24:10.690" v="37" actId="20577"/>
-          <ac:spMkLst>
-            <pc:docMk/>
-            <pc:sldMk cId="0" sldId="259"/>
-            <ac:spMk id="73" creationId="{00000000-0000-0000-0000-000000000000}"/>
-          </ac:spMkLst>
-        </pc:spChg>
-      </pc:sldChg>
-      <pc:sldChg chg="addSp delSp modSp new mod">
-        <pc:chgData name="Stacy Chandisingh" userId="a72612ec63c1bf34" providerId="LiveId" clId="{C249A174-39D9-4DCE-961B-7C97E4997380}" dt="2021-03-05T02:23:44.475" v="35" actId="478"/>
-        <pc:sldMkLst>
-          <pc:docMk/>
-          <pc:sldMk cId="1877941445" sldId="261"/>
-        </pc:sldMkLst>
-        <pc:spChg chg="mod">
-          <ac:chgData name="Stacy Chandisingh" userId="a72612ec63c1bf34" providerId="LiveId" clId="{C249A174-39D9-4DCE-961B-7C97E4997380}" dt="2021-03-05T02:21:18.079" v="25" actId="14100"/>
-          <ac:spMkLst>
-            <pc:docMk/>
-            <pc:sldMk cId="1877941445" sldId="261"/>
-            <ac:spMk id="2" creationId="{60B179F0-783A-454F-B346-9F5ED5A9EFB7}"/>
-          </ac:spMkLst>
-        </pc:spChg>
-        <pc:spChg chg="del mod">
-          <ac:chgData name="Stacy Chandisingh" userId="a72612ec63c1bf34" providerId="LiveId" clId="{C249A174-39D9-4DCE-961B-7C97E4997380}" dt="2021-03-05T02:23:44.475" v="35" actId="478"/>
-          <ac:spMkLst>
-            <pc:docMk/>
-            <pc:sldMk cId="1877941445" sldId="261"/>
-            <ac:spMk id="3" creationId="{818DD56D-6D76-467C-ABB3-D9766A14E575}"/>
-          </ac:spMkLst>
-        </pc:spChg>
-        <pc:picChg chg="add mod">
-          <ac:chgData name="Stacy Chandisingh" userId="a72612ec63c1bf34" providerId="LiveId" clId="{C249A174-39D9-4DCE-961B-7C97E4997380}" dt="2021-03-05T02:21:44.303" v="32" actId="14100"/>
-          <ac:picMkLst>
-            <pc:docMk/>
-            <pc:sldMk cId="1877941445" sldId="261"/>
-            <ac:picMk id="5" creationId="{17958706-AD74-41C0-9845-6C7D2B4B35FC}"/>
-          </ac:picMkLst>
-        </pc:picChg>
-      </pc:sldChg>
     </pc:docChg>
   </pc:docChgLst>
 </pc:chgInfo>
@@ -6600,7 +6577,7 @@
           <p:cNvPr id="4" name="Picture 3">
             <a:extLst>
               <a:ext uri="{FF2B5EF4-FFF2-40B4-BE49-F238E27FC236}">
-                <a16:creationId xmlns:a16="http://schemas.microsoft.com/office/drawing/2014/main" id="{F4334387-DA32-48FB-9965-1B38FFC8B0B6}"/>
+                <a16:creationId xmlns:a16="http://schemas.microsoft.com/office/drawing/2014/main" id="{200266E7-35DB-4900-8C1A-98BF0669D908}"/>
               </a:ext>
             </a:extLst>
           </p:cNvPr>
@@ -6617,8 +6594,8 @@
         </p:blipFill>
         <p:spPr>
           <a:xfrm>
-            <a:off x="1837597" y="648897"/>
-            <a:ext cx="5468805" cy="4268107"/>
+            <a:off x="1878575" y="648897"/>
+            <a:ext cx="5386850" cy="4367078"/>
           </a:xfrm>
           <a:prstGeom prst="rect">
             <a:avLst/>
@@ -7051,7 +7028,15 @@
             </a:pPr>
             <a:r>
               <a:rPr lang="en" dirty="0"/>
-              <a:t>A slider to change a range of years for the “Year Added” and a filter on the world map to filter by country. These interactive elements will help the audience focus on specific data insights.</a:t>
+              <a:t>A slider to change a range of years for the “Year Added” and a filter on the world map to filter by country. These </a:t>
+            </a:r>
+            <a:r>
+              <a:rPr lang="en"/>
+              <a:t>interactive elements </a:t>
+            </a:r>
+            <a:r>
+              <a:rPr lang="en" dirty="0"/>
+              <a:t>will help the audience focus on specific data insights.</a:t>
             </a:r>
           </a:p>
           <a:p>
@@ -7075,19 +7060,15 @@
             </a:r>
             <a:r>
               <a:rPr lang="en" dirty="0"/>
-              <a:t>en filtered on a country within the world map, the area chart, the pie chart, a</a:t>
+              <a:t>en filtered on a country within the world map, the area chart, the pie chart a</a:t>
             </a:r>
             <a:r>
               <a:rPr lang="en-US" dirty="0" err="1"/>
               <a:t>nd</a:t>
             </a:r>
             <a:r>
-              <a:rPr lang="en-US" dirty="0"/>
-              <a:t> the</a:t>
-            </a:r>
-            <a:r>
               <a:rPr lang="en" dirty="0"/>
-              <a:t> number of titles are also filtered depending on the country selected.</a:t>
+              <a:t> the number of titles are also filtered depending on the country selected.</a:t>
             </a:r>
           </a:p>
           <a:p>
